--- a/cherrypy.pptx
+++ b/cherrypy.pptx
@@ -4153,7 +4153,7 @@
         </p:nvSpPr>
         <p:spPr>
           <a:xfrm>
-            <a:off x="2211819" y="1715037"/>
+            <a:off x="2399857" y="1719659"/>
             <a:ext cx="892097" cy="347799"/>
           </a:xfrm>
           <a:prstGeom prst="roundRect">
@@ -4192,7 +4192,7 @@
         </p:nvSpPr>
         <p:spPr>
           <a:xfrm>
-            <a:off x="2211819" y="1715037"/>
+            <a:off x="2399857" y="1719659"/>
             <a:ext cx="892097" cy="307777"/>
           </a:xfrm>
           <a:prstGeom prst="rect">
@@ -4223,7 +4223,7 @@
         </p:nvSpPr>
         <p:spPr>
           <a:xfrm>
-            <a:off x="4647158" y="1703554"/>
+            <a:off x="4835196" y="1708176"/>
             <a:ext cx="1434023" cy="347799"/>
           </a:xfrm>
           <a:prstGeom prst="roundRect">
@@ -4262,7 +4262,7 @@
         </p:nvSpPr>
         <p:spPr>
           <a:xfrm>
-            <a:off x="4647158" y="1717002"/>
+            <a:off x="4835196" y="1721624"/>
             <a:ext cx="1434023" cy="307777"/>
           </a:xfrm>
           <a:prstGeom prst="rect">
@@ -4293,7 +4293,7 @@
         </p:nvSpPr>
         <p:spPr>
           <a:xfrm>
-            <a:off x="2918802" y="4833306"/>
+            <a:off x="3106840" y="4837928"/>
             <a:ext cx="1182164" cy="347799"/>
           </a:xfrm>
           <a:prstGeom prst="roundRect">
@@ -4332,7 +4332,7 @@
         </p:nvSpPr>
         <p:spPr>
           <a:xfrm>
-            <a:off x="2918802" y="4833306"/>
+            <a:off x="3106840" y="4837928"/>
             <a:ext cx="1223370" cy="307777"/>
           </a:xfrm>
           <a:prstGeom prst="rect">
@@ -4366,7 +4366,7 @@
         </p:nvCxnSpPr>
         <p:spPr>
           <a:xfrm flipV="1">
-            <a:off x="3103916" y="1877454"/>
+            <a:off x="3291954" y="1882076"/>
             <a:ext cx="1543242" cy="11483"/>
           </a:xfrm>
           <a:prstGeom prst="straightConnector1">
@@ -4399,7 +4399,7 @@
         </p:nvSpPr>
         <p:spPr>
           <a:xfrm>
-            <a:off x="3103916" y="1924336"/>
+            <a:off x="3291954" y="1928958"/>
             <a:ext cx="1543242" cy="276999"/>
           </a:xfrm>
           <a:prstGeom prst="rect">
@@ -4431,7 +4431,7 @@
         </p:nvCxnSpPr>
         <p:spPr>
           <a:xfrm rot="16200000" flipH="1" flipV="1">
-            <a:off x="4134762" y="487593"/>
+            <a:off x="4322800" y="492215"/>
             <a:ext cx="13448" cy="2445369"/>
           </a:xfrm>
           <a:prstGeom prst="curvedConnector4">
@@ -4467,7 +4467,7 @@
         </p:nvSpPr>
         <p:spPr>
           <a:xfrm>
-            <a:off x="3103916" y="949457"/>
+            <a:off x="3291954" y="954079"/>
             <a:ext cx="2071215" cy="276999"/>
           </a:xfrm>
           <a:prstGeom prst="rect">
@@ -4497,7 +4497,7 @@
         </p:nvSpPr>
         <p:spPr>
           <a:xfrm>
-            <a:off x="6256598" y="2523822"/>
+            <a:off x="6444636" y="2528444"/>
             <a:ext cx="1183649" cy="347799"/>
           </a:xfrm>
           <a:prstGeom prst="roundRect">
@@ -4536,7 +4536,7 @@
         </p:nvSpPr>
         <p:spPr>
           <a:xfrm>
-            <a:off x="6256598" y="2523822"/>
+            <a:off x="6444636" y="2528444"/>
             <a:ext cx="1183649" cy="307777"/>
           </a:xfrm>
           <a:prstGeom prst="rect">
@@ -4569,7 +4569,7 @@
         </p:nvCxnSpPr>
         <p:spPr>
           <a:xfrm>
-            <a:off x="5597198" y="2062836"/>
+            <a:off x="5785236" y="2067458"/>
             <a:ext cx="659400" cy="614875"/>
           </a:xfrm>
           <a:prstGeom prst="curvedConnector3">
@@ -4603,7 +4603,7 @@
         </p:nvSpPr>
         <p:spPr>
           <a:xfrm>
-            <a:off x="6710991" y="3907053"/>
+            <a:off x="6899029" y="3911675"/>
             <a:ext cx="1102275" cy="347799"/>
           </a:xfrm>
           <a:prstGeom prst="roundRect">
@@ -4642,7 +4642,7 @@
         </p:nvSpPr>
         <p:spPr>
           <a:xfrm>
-            <a:off x="7498162" y="3194500"/>
+            <a:off x="7686200" y="3199122"/>
             <a:ext cx="1439203" cy="307777"/>
           </a:xfrm>
           <a:prstGeom prst="rect">
@@ -4673,7 +4673,7 @@
         </p:nvGrpSpPr>
         <p:grpSpPr>
           <a:xfrm>
-            <a:off x="6350672" y="3154478"/>
+            <a:off x="6538710" y="3159100"/>
             <a:ext cx="1089575" cy="347799"/>
             <a:chOff x="6688115" y="3748831"/>
             <a:chExt cx="1089575" cy="347799"/>
@@ -4805,7 +4805,7 @@
         </p:nvSpPr>
         <p:spPr>
           <a:xfrm>
-            <a:off x="6710991" y="3947075"/>
+            <a:off x="6899029" y="3951697"/>
             <a:ext cx="1089575" cy="307777"/>
           </a:xfrm>
           <a:prstGeom prst="rect">
@@ -4836,7 +4836,7 @@
         </p:nvSpPr>
         <p:spPr>
           <a:xfrm>
-            <a:off x="7075619" y="3154478"/>
+            <a:off x="7263657" y="3159100"/>
             <a:ext cx="320362" cy="307777"/>
           </a:xfrm>
           <a:prstGeom prst="rect">
@@ -4870,7 +4870,7 @@
         </p:nvCxnSpPr>
         <p:spPr>
           <a:xfrm>
-            <a:off x="7440247" y="2677711"/>
+            <a:off x="7628285" y="2682333"/>
             <a:ext cx="12700" cy="650667"/>
           </a:xfrm>
           <a:prstGeom prst="curvedConnector3">
@@ -4908,7 +4908,7 @@
         </p:nvCxnSpPr>
         <p:spPr>
           <a:xfrm rot="10800000">
-            <a:off x="6350673" y="3328379"/>
+            <a:off x="6538711" y="3333001"/>
             <a:ext cx="360319" cy="752575"/>
           </a:xfrm>
           <a:prstGeom prst="curvedConnector3">
@@ -4943,7 +4943,7 @@
         </p:nvSpPr>
         <p:spPr>
           <a:xfrm>
-            <a:off x="3911454" y="3927064"/>
+            <a:off x="4099492" y="3931686"/>
             <a:ext cx="1451715" cy="347799"/>
           </a:xfrm>
           <a:prstGeom prst="roundRect">
@@ -4982,7 +4982,7 @@
         </p:nvSpPr>
         <p:spPr>
           <a:xfrm>
-            <a:off x="3911454" y="3927064"/>
+            <a:off x="4099492" y="3931686"/>
             <a:ext cx="1451715" cy="307777"/>
           </a:xfrm>
           <a:prstGeom prst="rect">
@@ -5016,7 +5016,7 @@
         </p:nvCxnSpPr>
         <p:spPr>
           <a:xfrm flipH="1">
-            <a:off x="5363169" y="4080953"/>
+            <a:off x="5551207" y="4085575"/>
             <a:ext cx="1347822" cy="20011"/>
           </a:xfrm>
           <a:prstGeom prst="straightConnector1">
@@ -5049,7 +5049,7 @@
         </p:nvSpPr>
         <p:spPr>
           <a:xfrm>
-            <a:off x="5409165" y="4100963"/>
+            <a:off x="5597203" y="4105585"/>
             <a:ext cx="1306135" cy="307777"/>
           </a:xfrm>
           <a:prstGeom prst="rect">
@@ -5087,7 +5087,7 @@
         </p:nvCxnSpPr>
         <p:spPr>
           <a:xfrm rot="5400000">
-            <a:off x="4002968" y="4372861"/>
+            <a:off x="4191006" y="4377483"/>
             <a:ext cx="732343" cy="536346"/>
           </a:xfrm>
           <a:prstGeom prst="curvedConnector2">
@@ -5120,7 +5120,7 @@
         </p:nvSpPr>
         <p:spPr>
           <a:xfrm>
-            <a:off x="4522063" y="4483986"/>
+            <a:off x="4710101" y="4488608"/>
             <a:ext cx="1306135" cy="523220"/>
           </a:xfrm>
           <a:prstGeom prst="rect">
@@ -5159,7 +5159,7 @@
         </p:nvSpPr>
         <p:spPr>
           <a:xfrm>
-            <a:off x="1284525" y="3945675"/>
+            <a:off x="1472563" y="3950297"/>
             <a:ext cx="1911155" cy="347799"/>
           </a:xfrm>
           <a:prstGeom prst="roundRect">
@@ -5198,7 +5198,7 @@
         </p:nvSpPr>
         <p:spPr>
           <a:xfrm>
-            <a:off x="1284525" y="3947075"/>
+            <a:off x="1472563" y="3951697"/>
             <a:ext cx="1911155" cy="307777"/>
           </a:xfrm>
           <a:prstGeom prst="rect">
@@ -5229,7 +5229,7 @@
         </p:nvCxnSpPr>
         <p:spPr>
           <a:xfrm rot="16200000" flipV="1">
-            <a:off x="2371953" y="4286456"/>
+            <a:off x="2559991" y="4291078"/>
             <a:ext cx="578454" cy="515245"/>
           </a:xfrm>
           <a:prstGeom prst="curvedConnector3">
@@ -5262,7 +5262,7 @@
         </p:nvSpPr>
         <p:spPr>
           <a:xfrm>
-            <a:off x="2040641" y="4465733"/>
+            <a:off x="2228679" y="4470355"/>
             <a:ext cx="725832" cy="276999"/>
           </a:xfrm>
           <a:prstGeom prst="rect">
@@ -5292,7 +5292,7 @@
         </p:nvSpPr>
         <p:spPr>
           <a:xfrm>
-            <a:off x="231497" y="4910250"/>
+            <a:off x="258118" y="4903740"/>
             <a:ext cx="2172060" cy="461665"/>
           </a:xfrm>
           <a:prstGeom prst="rect">
@@ -5325,7 +5325,7 @@
         </p:nvCxnSpPr>
         <p:spPr>
           <a:xfrm rot="10800000" flipH="1" flipV="1">
-            <a:off x="1284524" y="4119575"/>
+            <a:off x="1472562" y="4124197"/>
             <a:ext cx="1634277" cy="867620"/>
           </a:xfrm>
           <a:prstGeom prst="curvedConnector3">
@@ -5360,7 +5360,7 @@
         </p:nvCxnSpPr>
         <p:spPr>
           <a:xfrm flipH="1">
-            <a:off x="7092612" y="1691209"/>
+            <a:off x="7280650" y="1695831"/>
             <a:ext cx="414922" cy="820269"/>
           </a:xfrm>
           <a:prstGeom prst="straightConnector1">
@@ -5394,7 +5394,7 @@
         </p:nvSpPr>
         <p:spPr>
           <a:xfrm>
-            <a:off x="6715300" y="1383432"/>
+            <a:off x="6903338" y="1388054"/>
             <a:ext cx="1708015" cy="307777"/>
           </a:xfrm>
           <a:prstGeom prst="rect">
@@ -5422,6 +5422,460 @@
                 <a:srgbClr val="008000"/>
               </a:solidFill>
             </a:endParaRPr>
+          </a:p>
+        </p:txBody>
+      </p:sp>
+      <p:sp>
+        <p:nvSpPr>
+          <p:cNvPr id="109" name="Rounded Rectangle 108"/>
+          <p:cNvSpPr/>
+          <p:nvPr/>
+        </p:nvSpPr>
+        <p:spPr>
+          <a:xfrm>
+            <a:off x="88954" y="918679"/>
+            <a:ext cx="1482720" cy="347799"/>
+          </a:xfrm>
+          <a:prstGeom prst="roundRect">
+            <a:avLst/>
+          </a:prstGeom>
+          <a:noFill/>
+        </p:spPr>
+        <p:style>
+          <a:lnRef idx="1">
+            <a:schemeClr val="accent1"/>
+          </a:lnRef>
+          <a:fillRef idx="3">
+            <a:schemeClr val="accent1"/>
+          </a:fillRef>
+          <a:effectRef idx="2">
+            <a:schemeClr val="accent1"/>
+          </a:effectRef>
+          <a:fontRef idx="minor">
+            <a:schemeClr val="lt1"/>
+          </a:fontRef>
+        </p:style>
+        <p:txBody>
+          <a:bodyPr rtlCol="0" anchor="ctr"/>
+          <a:lstStyle/>
+          <a:p>
+            <a:pPr algn="ctr"/>
+            <a:endParaRPr lang="en-US" dirty="0"/>
+          </a:p>
+        </p:txBody>
+      </p:sp>
+      <p:sp>
+        <p:nvSpPr>
+          <p:cNvPr id="110" name="TextBox 109"/>
+          <p:cNvSpPr txBox="1"/>
+          <p:nvPr/>
+        </p:nvSpPr>
+        <p:spPr>
+          <a:xfrm>
+            <a:off x="88954" y="918679"/>
+            <a:ext cx="1482720" cy="307777"/>
+          </a:xfrm>
+          <a:prstGeom prst="rect">
+            <a:avLst/>
+          </a:prstGeom>
+          <a:noFill/>
+        </p:spPr>
+        <p:txBody>
+          <a:bodyPr wrap="square" rtlCol="0">
+            <a:spAutoFit/>
+          </a:bodyPr>
+          <a:lstStyle/>
+          <a:p>
+            <a:pPr algn="ctr"/>
+            <a:r>
+              <a:rPr lang="en-US" sz="1400" dirty="0" smtClean="0"/>
+              <a:t>Autoreloader</a:t>
+            </a:r>
+            <a:endParaRPr lang="en-US" sz="1400" dirty="0"/>
+          </a:p>
+        </p:txBody>
+      </p:sp>
+      <p:sp>
+        <p:nvSpPr>
+          <p:cNvPr id="112" name="Rounded Rectangle 111"/>
+          <p:cNvSpPr/>
+          <p:nvPr/>
+        </p:nvSpPr>
+        <p:spPr>
+          <a:xfrm>
+            <a:off x="88954" y="1493057"/>
+            <a:ext cx="1482720" cy="347799"/>
+          </a:xfrm>
+          <a:prstGeom prst="roundRect">
+            <a:avLst/>
+          </a:prstGeom>
+          <a:noFill/>
+        </p:spPr>
+        <p:style>
+          <a:lnRef idx="1">
+            <a:schemeClr val="accent1"/>
+          </a:lnRef>
+          <a:fillRef idx="3">
+            <a:schemeClr val="accent1"/>
+          </a:fillRef>
+          <a:effectRef idx="2">
+            <a:schemeClr val="accent1"/>
+          </a:effectRef>
+          <a:fontRef idx="minor">
+            <a:schemeClr val="lt1"/>
+          </a:fontRef>
+        </p:style>
+        <p:txBody>
+          <a:bodyPr rtlCol="0" anchor="ctr"/>
+          <a:lstStyle/>
+          <a:p>
+            <a:pPr algn="ctr"/>
+            <a:endParaRPr lang="en-US" dirty="0"/>
+          </a:p>
+        </p:txBody>
+      </p:sp>
+      <p:sp>
+        <p:nvSpPr>
+          <p:cNvPr id="113" name="TextBox 112"/>
+          <p:cNvSpPr txBox="1"/>
+          <p:nvPr/>
+        </p:nvSpPr>
+        <p:spPr>
+          <a:xfrm>
+            <a:off x="88954" y="1493057"/>
+            <a:ext cx="1482720" cy="307777"/>
+          </a:xfrm>
+          <a:prstGeom prst="rect">
+            <a:avLst/>
+          </a:prstGeom>
+          <a:noFill/>
+        </p:spPr>
+        <p:txBody>
+          <a:bodyPr wrap="square" rtlCol="0">
+            <a:spAutoFit/>
+          </a:bodyPr>
+          <a:lstStyle/>
+          <a:p>
+            <a:pPr algn="ctr"/>
+            <a:r>
+              <a:rPr lang="en-US" sz="1400" dirty="0" smtClean="0"/>
+              <a:t>_TimeoutMonitor</a:t>
+            </a:r>
+            <a:endParaRPr lang="en-US" sz="1400" dirty="0"/>
+          </a:p>
+        </p:txBody>
+      </p:sp>
+      <p:sp>
+        <p:nvSpPr>
+          <p:cNvPr id="114" name="Rounded Rectangle 113"/>
+          <p:cNvSpPr/>
+          <p:nvPr/>
+        </p:nvSpPr>
+        <p:spPr>
+          <a:xfrm>
+            <a:off x="88954" y="2034023"/>
+            <a:ext cx="1482720" cy="347799"/>
+          </a:xfrm>
+          <a:prstGeom prst="roundRect">
+            <a:avLst/>
+          </a:prstGeom>
+          <a:noFill/>
+        </p:spPr>
+        <p:style>
+          <a:lnRef idx="1">
+            <a:schemeClr val="accent1"/>
+          </a:lnRef>
+          <a:fillRef idx="3">
+            <a:schemeClr val="accent1"/>
+          </a:fillRef>
+          <a:effectRef idx="2">
+            <a:schemeClr val="accent1"/>
+          </a:effectRef>
+          <a:fontRef idx="minor">
+            <a:schemeClr val="lt1"/>
+          </a:fontRef>
+        </p:style>
+        <p:txBody>
+          <a:bodyPr rtlCol="0" anchor="ctr"/>
+          <a:lstStyle/>
+          <a:p>
+            <a:pPr algn="ctr"/>
+            <a:endParaRPr lang="en-US" dirty="0"/>
+          </a:p>
+        </p:txBody>
+      </p:sp>
+      <p:sp>
+        <p:nvSpPr>
+          <p:cNvPr id="115" name="TextBox 114"/>
+          <p:cNvSpPr txBox="1"/>
+          <p:nvPr/>
+        </p:nvSpPr>
+        <p:spPr>
+          <a:xfrm>
+            <a:off x="88954" y="2034023"/>
+            <a:ext cx="1482720" cy="307777"/>
+          </a:xfrm>
+          <a:prstGeom prst="rect">
+            <a:avLst/>
+          </a:prstGeom>
+          <a:noFill/>
+        </p:spPr>
+        <p:txBody>
+          <a:bodyPr wrap="square" rtlCol="0">
+            <a:spAutoFit/>
+          </a:bodyPr>
+          <a:lstStyle/>
+          <a:p>
+            <a:pPr algn="ctr"/>
+            <a:r>
+              <a:rPr lang="en-US" sz="1400" dirty="0" smtClean="0"/>
+              <a:t>ThreadManager</a:t>
+            </a:r>
+            <a:endParaRPr lang="en-US" sz="1400" dirty="0"/>
+          </a:p>
+        </p:txBody>
+      </p:sp>
+      <p:sp>
+        <p:nvSpPr>
+          <p:cNvPr id="116" name="Rounded Rectangle 115"/>
+          <p:cNvSpPr/>
+          <p:nvPr/>
+        </p:nvSpPr>
+        <p:spPr>
+          <a:xfrm>
+            <a:off x="88954" y="2636091"/>
+            <a:ext cx="1482720" cy="347799"/>
+          </a:xfrm>
+          <a:prstGeom prst="roundRect">
+            <a:avLst/>
+          </a:prstGeom>
+          <a:noFill/>
+        </p:spPr>
+        <p:style>
+          <a:lnRef idx="1">
+            <a:schemeClr val="accent1"/>
+          </a:lnRef>
+          <a:fillRef idx="3">
+            <a:schemeClr val="accent1"/>
+          </a:fillRef>
+          <a:effectRef idx="2">
+            <a:schemeClr val="accent1"/>
+          </a:effectRef>
+          <a:fontRef idx="minor">
+            <a:schemeClr val="lt1"/>
+          </a:fontRef>
+        </p:style>
+        <p:txBody>
+          <a:bodyPr rtlCol="0" anchor="ctr"/>
+          <a:lstStyle/>
+          <a:p>
+            <a:pPr algn="ctr"/>
+            <a:endParaRPr lang="en-US" dirty="0"/>
+          </a:p>
+        </p:txBody>
+      </p:sp>
+      <p:sp>
+        <p:nvSpPr>
+          <p:cNvPr id="117" name="TextBox 116"/>
+          <p:cNvSpPr txBox="1"/>
+          <p:nvPr/>
+        </p:nvSpPr>
+        <p:spPr>
+          <a:xfrm>
+            <a:off x="88954" y="2636091"/>
+            <a:ext cx="1482720" cy="307777"/>
+          </a:xfrm>
+          <a:prstGeom prst="rect">
+            <a:avLst/>
+          </a:prstGeom>
+          <a:noFill/>
+        </p:spPr>
+        <p:txBody>
+          <a:bodyPr wrap="square" rtlCol="0">
+            <a:spAutoFit/>
+          </a:bodyPr>
+          <a:lstStyle/>
+          <a:p>
+            <a:pPr algn="ctr"/>
+            <a:r>
+              <a:rPr lang="en-US" sz="1400" dirty="0" smtClean="0"/>
+              <a:t>SignalHandler</a:t>
+            </a:r>
+            <a:endParaRPr lang="en-US" sz="1400" dirty="0"/>
+          </a:p>
+        </p:txBody>
+      </p:sp>
+      <p:cxnSp>
+        <p:nvCxnSpPr>
+          <p:cNvPr id="119" name="Straight Arrow Connector 118"/>
+          <p:cNvCxnSpPr>
+            <a:stCxn id="109" idx="3"/>
+            <a:endCxn id="5" idx="1"/>
+          </p:cNvCxnSpPr>
+          <p:nvPr/>
+        </p:nvCxnSpPr>
+        <p:spPr>
+          <a:xfrm>
+            <a:off x="1571674" y="1092579"/>
+            <a:ext cx="828183" cy="780969"/>
+          </a:xfrm>
+          <a:prstGeom prst="straightConnector1">
+            <a:avLst/>
+          </a:prstGeom>
+          <a:ln>
+            <a:tailEnd type="arrow"/>
+          </a:ln>
+        </p:spPr>
+        <p:style>
+          <a:lnRef idx="2">
+            <a:schemeClr val="accent1"/>
+          </a:lnRef>
+          <a:fillRef idx="0">
+            <a:schemeClr val="accent1"/>
+          </a:fillRef>
+          <a:effectRef idx="1">
+            <a:schemeClr val="accent1"/>
+          </a:effectRef>
+          <a:fontRef idx="minor">
+            <a:schemeClr val="tx1"/>
+          </a:fontRef>
+        </p:style>
+      </p:cxnSp>
+      <p:cxnSp>
+        <p:nvCxnSpPr>
+          <p:cNvPr id="121" name="Straight Arrow Connector 120"/>
+          <p:cNvCxnSpPr>
+            <a:stCxn id="112" idx="3"/>
+            <a:endCxn id="4" idx="1"/>
+          </p:cNvCxnSpPr>
+          <p:nvPr/>
+        </p:nvCxnSpPr>
+        <p:spPr>
+          <a:xfrm>
+            <a:off x="1571674" y="1666957"/>
+            <a:ext cx="828183" cy="226602"/>
+          </a:xfrm>
+          <a:prstGeom prst="straightConnector1">
+            <a:avLst/>
+          </a:prstGeom>
+          <a:ln>
+            <a:tailEnd type="arrow"/>
+          </a:ln>
+        </p:spPr>
+        <p:style>
+          <a:lnRef idx="2">
+            <a:schemeClr val="accent1"/>
+          </a:lnRef>
+          <a:fillRef idx="0">
+            <a:schemeClr val="accent1"/>
+          </a:fillRef>
+          <a:effectRef idx="1">
+            <a:schemeClr val="accent1"/>
+          </a:effectRef>
+          <a:fontRef idx="minor">
+            <a:schemeClr val="tx1"/>
+          </a:fontRef>
+        </p:style>
+      </p:cxnSp>
+      <p:cxnSp>
+        <p:nvCxnSpPr>
+          <p:cNvPr id="123" name="Straight Arrow Connector 122"/>
+          <p:cNvCxnSpPr>
+            <a:stCxn id="115" idx="3"/>
+            <a:endCxn id="4" idx="1"/>
+          </p:cNvCxnSpPr>
+          <p:nvPr/>
+        </p:nvCxnSpPr>
+        <p:spPr>
+          <a:xfrm flipV="1">
+            <a:off x="1571674" y="1893559"/>
+            <a:ext cx="828183" cy="294353"/>
+          </a:xfrm>
+          <a:prstGeom prst="straightConnector1">
+            <a:avLst/>
+          </a:prstGeom>
+          <a:ln>
+            <a:tailEnd type="arrow"/>
+          </a:ln>
+        </p:spPr>
+        <p:style>
+          <a:lnRef idx="2">
+            <a:schemeClr val="accent1"/>
+          </a:lnRef>
+          <a:fillRef idx="0">
+            <a:schemeClr val="accent1"/>
+          </a:fillRef>
+          <a:effectRef idx="1">
+            <a:schemeClr val="accent1"/>
+          </a:effectRef>
+          <a:fontRef idx="minor">
+            <a:schemeClr val="tx1"/>
+          </a:fontRef>
+        </p:style>
+      </p:cxnSp>
+      <p:cxnSp>
+        <p:nvCxnSpPr>
+          <p:cNvPr id="125" name="Straight Arrow Connector 124"/>
+          <p:cNvCxnSpPr>
+            <a:stCxn id="116" idx="3"/>
+            <a:endCxn id="5" idx="1"/>
+          </p:cNvCxnSpPr>
+          <p:nvPr/>
+        </p:nvCxnSpPr>
+        <p:spPr>
+          <a:xfrm flipV="1">
+            <a:off x="1571674" y="1873548"/>
+            <a:ext cx="828183" cy="936443"/>
+          </a:xfrm>
+          <a:prstGeom prst="straightConnector1">
+            <a:avLst/>
+          </a:prstGeom>
+          <a:ln>
+            <a:tailEnd type="arrow"/>
+          </a:ln>
+        </p:spPr>
+        <p:style>
+          <a:lnRef idx="2">
+            <a:schemeClr val="accent1"/>
+          </a:lnRef>
+          <a:fillRef idx="0">
+            <a:schemeClr val="accent1"/>
+          </a:fillRef>
+          <a:effectRef idx="1">
+            <a:schemeClr val="accent1"/>
+          </a:effectRef>
+          <a:fontRef idx="minor">
+            <a:schemeClr val="tx1"/>
+          </a:fontRef>
+        </p:style>
+      </p:cxnSp>
+      <p:sp>
+        <p:nvSpPr>
+          <p:cNvPr id="126" name="TextBox 125"/>
+          <p:cNvSpPr txBox="1"/>
+          <p:nvPr/>
+        </p:nvSpPr>
+        <p:spPr>
+          <a:xfrm>
+            <a:off x="1810006" y="2353898"/>
+            <a:ext cx="2100885" cy="276999"/>
+          </a:xfrm>
+          <a:prstGeom prst="rect">
+            <a:avLst/>
+          </a:prstGeom>
+          <a:noFill/>
+        </p:spPr>
+        <p:txBody>
+          <a:bodyPr wrap="square" rtlCol="0">
+            <a:spAutoFit/>
+          </a:bodyPr>
+          <a:lstStyle/>
+          <a:p>
+            <a:r>
+              <a:rPr lang="en-US" sz="1200" dirty="0" smtClean="0"/>
+              <a:t>Subscribe(start/stop evts)</a:t>
+            </a:r>
+            <a:endParaRPr lang="en-US" sz="1200" dirty="0"/>
           </a:p>
         </p:txBody>
       </p:sp>

--- a/cherrypy.pptx
+++ b/cherrypy.pptx
@@ -194,7 +194,7 @@
           <a:p>
             <a:fld id="{1E6EA68C-959A-EC47-82BA-093A9FBFFC8F}" type="datetimeFigureOut">
               <a:rPr lang="en-US" smtClean="0"/>
-              <a:t>2/21/14</a:t>
+              <a:t>2/27/14</a:t>
             </a:fld>
             <a:endParaRPr lang="en-US" dirty="0"/>
           </a:p>
@@ -851,7 +851,7 @@
           <a:p>
             <a:fld id="{AB48B10B-8CF6-8E4E-BA48-763E0B34B95B}" type="datetimeFigureOut">
               <a:rPr lang="en-US" smtClean="0"/>
-              <a:t>2/21/14</a:t>
+              <a:t>2/27/14</a:t>
             </a:fld>
             <a:endParaRPr lang="en-US" dirty="0"/>
           </a:p>
@@ -1021,7 +1021,7 @@
           <a:p>
             <a:fld id="{AB48B10B-8CF6-8E4E-BA48-763E0B34B95B}" type="datetimeFigureOut">
               <a:rPr lang="en-US" smtClean="0"/>
-              <a:t>2/21/14</a:t>
+              <a:t>2/27/14</a:t>
             </a:fld>
             <a:endParaRPr lang="en-US" dirty="0"/>
           </a:p>
@@ -1201,7 +1201,7 @@
           <a:p>
             <a:fld id="{AB48B10B-8CF6-8E4E-BA48-763E0B34B95B}" type="datetimeFigureOut">
               <a:rPr lang="en-US" smtClean="0"/>
-              <a:t>2/21/14</a:t>
+              <a:t>2/27/14</a:t>
             </a:fld>
             <a:endParaRPr lang="en-US" dirty="0"/>
           </a:p>
@@ -1371,7 +1371,7 @@
           <a:p>
             <a:fld id="{AB48B10B-8CF6-8E4E-BA48-763E0B34B95B}" type="datetimeFigureOut">
               <a:rPr lang="en-US" smtClean="0"/>
-              <a:t>2/21/14</a:t>
+              <a:t>2/27/14</a:t>
             </a:fld>
             <a:endParaRPr lang="en-US" dirty="0"/>
           </a:p>
@@ -1617,7 +1617,7 @@
           <a:p>
             <a:fld id="{AB48B10B-8CF6-8E4E-BA48-763E0B34B95B}" type="datetimeFigureOut">
               <a:rPr lang="en-US" smtClean="0"/>
-              <a:t>2/21/14</a:t>
+              <a:t>2/27/14</a:t>
             </a:fld>
             <a:endParaRPr lang="en-US" dirty="0"/>
           </a:p>
@@ -1905,7 +1905,7 @@
           <a:p>
             <a:fld id="{AB48B10B-8CF6-8E4E-BA48-763E0B34B95B}" type="datetimeFigureOut">
               <a:rPr lang="en-US" smtClean="0"/>
-              <a:t>2/21/14</a:t>
+              <a:t>2/27/14</a:t>
             </a:fld>
             <a:endParaRPr lang="en-US" dirty="0"/>
           </a:p>
@@ -2327,7 +2327,7 @@
           <a:p>
             <a:fld id="{AB48B10B-8CF6-8E4E-BA48-763E0B34B95B}" type="datetimeFigureOut">
               <a:rPr lang="en-US" smtClean="0"/>
-              <a:t>2/21/14</a:t>
+              <a:t>2/27/14</a:t>
             </a:fld>
             <a:endParaRPr lang="en-US" dirty="0"/>
           </a:p>
@@ -2445,7 +2445,7 @@
           <a:p>
             <a:fld id="{AB48B10B-8CF6-8E4E-BA48-763E0B34B95B}" type="datetimeFigureOut">
               <a:rPr lang="en-US" smtClean="0"/>
-              <a:t>2/21/14</a:t>
+              <a:t>2/27/14</a:t>
             </a:fld>
             <a:endParaRPr lang="en-US" dirty="0"/>
           </a:p>
@@ -2540,7 +2540,7 @@
           <a:p>
             <a:fld id="{AB48B10B-8CF6-8E4E-BA48-763E0B34B95B}" type="datetimeFigureOut">
               <a:rPr lang="en-US" smtClean="0"/>
-              <a:t>2/21/14</a:t>
+              <a:t>2/27/14</a:t>
             </a:fld>
             <a:endParaRPr lang="en-US" dirty="0"/>
           </a:p>
@@ -2817,7 +2817,7 @@
           <a:p>
             <a:fld id="{AB48B10B-8CF6-8E4E-BA48-763E0B34B95B}" type="datetimeFigureOut">
               <a:rPr lang="en-US" smtClean="0"/>
-              <a:t>2/21/14</a:t>
+              <a:t>2/27/14</a:t>
             </a:fld>
             <a:endParaRPr lang="en-US" dirty="0"/>
           </a:p>
@@ -3070,7 +3070,7 @@
           <a:p>
             <a:fld id="{AB48B10B-8CF6-8E4E-BA48-763E0B34B95B}" type="datetimeFigureOut">
               <a:rPr lang="en-US" smtClean="0"/>
-              <a:t>2/21/14</a:t>
+              <a:t>2/27/14</a:t>
             </a:fld>
             <a:endParaRPr lang="en-US" dirty="0"/>
           </a:p>
@@ -3283,7 +3283,7 @@
           <a:p>
             <a:fld id="{AB48B10B-8CF6-8E4E-BA48-763E0B34B95B}" type="datetimeFigureOut">
               <a:rPr lang="en-US" smtClean="0"/>
-              <a:t>2/21/14</a:t>
+              <a:t>2/27/14</a:t>
             </a:fld>
             <a:endParaRPr lang="en-US" dirty="0"/>
           </a:p>
@@ -6448,8 +6448,8 @@
         </p:nvSpPr>
         <p:spPr>
           <a:xfrm>
-            <a:off x="3709215" y="3710409"/>
-            <a:ext cx="1140063" cy="347799"/>
+            <a:off x="3709215" y="3571909"/>
+            <a:ext cx="1140063" cy="486299"/>
           </a:xfrm>
           <a:prstGeom prst="roundRect">
             <a:avLst/>
@@ -6487,8 +6487,8 @@
         </p:nvSpPr>
         <p:spPr>
           <a:xfrm>
-            <a:off x="3709215" y="3710409"/>
-            <a:ext cx="1140063" cy="307777"/>
+            <a:off x="3709215" y="3571909"/>
+            <a:ext cx="1140064" cy="523220"/>
           </a:xfrm>
           <a:prstGeom prst="rect">
             <a:avLst/>
@@ -6504,7 +6504,7 @@
             <a:pPr algn="ctr"/>
             <a:r>
               <a:rPr lang="en-US" sz="1400" dirty="0" smtClean="0"/>
-              <a:t>Application</a:t>
+              <a:t>Specific Application</a:t>
             </a:r>
             <a:endParaRPr lang="en-US" sz="1400" dirty="0"/>
           </a:p>
@@ -6618,7 +6618,7 @@
         <p:spPr>
           <a:xfrm flipH="1" flipV="1">
             <a:off x="2666550" y="3123061"/>
-            <a:ext cx="1612697" cy="587348"/>
+            <a:ext cx="1612697" cy="448848"/>
           </a:xfrm>
           <a:prstGeom prst="straightConnector1">
             <a:avLst/>
@@ -7181,8 +7181,8 @@
         </p:nvCxnSpPr>
         <p:spPr>
           <a:xfrm rot="5400000">
-            <a:off x="6148270" y="1799308"/>
-            <a:ext cx="786009" cy="3383992"/>
+            <a:off x="6182895" y="1764683"/>
+            <a:ext cx="716759" cy="3383992"/>
           </a:xfrm>
           <a:prstGeom prst="curvedConnector2">
             <a:avLst/>
@@ -7214,8 +7214,8 @@
         </p:nvSpPr>
         <p:spPr>
           <a:xfrm>
-            <a:off x="6148536" y="3433410"/>
-            <a:ext cx="1109682" cy="276999"/>
+            <a:off x="5698027" y="3294910"/>
+            <a:ext cx="2103835" cy="276999"/>
           </a:xfrm>
           <a:prstGeom prst="rect">
             <a:avLst/>
@@ -7230,7 +7230,15 @@
           <a:p>
             <a:r>
               <a:rPr lang="en-US" sz="1200" dirty="0" smtClean="0"/>
-              <a:t>6) get_serving</a:t>
+              <a:t>6) </a:t>
+            </a:r>
+            <a:r>
+              <a:rPr lang="en-US" sz="1200" dirty="0" err="1" smtClean="0"/>
+              <a:t>get_serving</a:t>
+            </a:r>
+            <a:r>
+              <a:rPr lang="en-US" sz="1200" dirty="0" smtClean="0"/>
+              <a:t> (URL matters)</a:t>
             </a:r>
             <a:endParaRPr lang="en-US" sz="1200" dirty="0"/>
           </a:p>
@@ -7246,8 +7254,8 @@
         </p:nvCxnSpPr>
         <p:spPr>
           <a:xfrm flipH="1" flipV="1">
-            <a:off x="1872258" y="3636624"/>
-            <a:ext cx="1836957" cy="227674"/>
+            <a:off x="1807951" y="3498125"/>
+            <a:ext cx="1901264" cy="335394"/>
           </a:xfrm>
           <a:prstGeom prst="straightConnector1">
             <a:avLst/>
@@ -7283,8 +7291,8 @@
         </p:nvCxnSpPr>
         <p:spPr>
           <a:xfrm flipH="1">
-            <a:off x="1619672" y="3884309"/>
-            <a:ext cx="2089543" cy="1142137"/>
+            <a:off x="1619672" y="3815059"/>
+            <a:ext cx="2089543" cy="1211387"/>
           </a:xfrm>
           <a:prstGeom prst="straightConnector1">
             <a:avLst/>
@@ -7350,8 +7358,8 @@
         </p:nvCxnSpPr>
         <p:spPr>
           <a:xfrm>
-            <a:off x="4849278" y="3884309"/>
-            <a:ext cx="1299258" cy="1082691"/>
+            <a:off x="4849278" y="3815059"/>
+            <a:ext cx="1299258" cy="1151941"/>
           </a:xfrm>
           <a:prstGeom prst="straightConnector1">
             <a:avLst/>
@@ -7536,14 +7544,26 @@
           <a:lstStyle/>
           <a:p>
             <a:r>
-              <a:rPr lang="en-US" sz="1200" dirty="0"/>
+              <a:rPr lang="en-US" sz="1200" b="1" dirty="0">
+                <a:solidFill>
+                  <a:srgbClr val="FF6600"/>
+                </a:solidFill>
+              </a:rPr>
               <a:t>8</a:t>
             </a:r>
             <a:r>
-              <a:rPr lang="en-US" sz="1200" dirty="0" smtClean="0"/>
+              <a:rPr lang="en-US" sz="1200" b="1" dirty="0" smtClean="0">
+                <a:solidFill>
+                  <a:srgbClr val="FF6600"/>
+                </a:solidFill>
+              </a:rPr>
               <a:t>) run</a:t>
             </a:r>
-            <a:endParaRPr lang="en-US" sz="1200" dirty="0"/>
+            <a:endParaRPr lang="en-US" sz="1200" b="1" dirty="0">
+              <a:solidFill>
+                <a:srgbClr val="FF6600"/>
+              </a:solidFill>
+            </a:endParaRPr>
           </a:p>
         </p:txBody>
       </p:sp>
